--- a/Vertiefungsprojekt.pptx
+++ b/Vertiefungsprojekt.pptx
@@ -5,13 +5,16 @@
     <p:sldMasterId id="2147483648" r:id="rId1"/>
   </p:sldMasterIdLst>
   <p:notesMasterIdLst>
-    <p:notesMasterId r:id="rId3"/>
+    <p:notesMasterId r:id="rId6"/>
   </p:notesMasterIdLst>
   <p:handoutMasterIdLst>
-    <p:handoutMasterId r:id="rId4"/>
+    <p:handoutMasterId r:id="rId7"/>
   </p:handoutMasterIdLst>
   <p:sldIdLst>
     <p:sldId id="261" r:id="rId2"/>
+    <p:sldId id="264" r:id="rId3"/>
+    <p:sldId id="262" r:id="rId4"/>
+    <p:sldId id="265" r:id="rId5"/>
   </p:sldIdLst>
   <p:sldSz cx="12192000" cy="6858000"/>
   <p:notesSz cx="6858000" cy="9144000"/>
@@ -15546,6 +15549,1000 @@
 </p:sld>
 </file>
 
+<file path=ppt/slides/slide2.xml><?xml version="1.0" encoding="utf-8"?>
+<p:sld xmlns:a="http://schemas.openxmlformats.org/drawingml/2006/main" xmlns:r="http://schemas.openxmlformats.org/officeDocument/2006/relationships" xmlns:p="http://schemas.openxmlformats.org/presentationml/2006/main">
+  <p:cSld>
+    <p:spTree>
+      <p:nvGrpSpPr>
+        <p:cNvPr id="1" name=""/>
+        <p:cNvGrpSpPr/>
+        <p:nvPr/>
+      </p:nvGrpSpPr>
+      <p:grpSpPr>
+        <a:xfrm>
+          <a:off x="0" y="0"/>
+          <a:ext cx="0" cy="0"/>
+          <a:chOff x="0" y="0"/>
+          <a:chExt cx="0" cy="0"/>
+        </a:xfrm>
+      </p:grpSpPr>
+      <p:sp>
+        <p:nvSpPr>
+          <p:cNvPr id="2" name="Titel 1">
+            <a:extLst>
+              <a:ext uri="{FF2B5EF4-FFF2-40B4-BE49-F238E27FC236}">
+                <a16:creationId xmlns:a16="http://schemas.microsoft.com/office/drawing/2014/main" id="{488A6217-633D-4A4B-B402-8F77D8002C28}"/>
+              </a:ext>
+            </a:extLst>
+          </p:cNvPr>
+          <p:cNvSpPr>
+            <a:spLocks noGrp="1"/>
+          </p:cNvSpPr>
+          <p:nvPr>
+            <p:ph type="title"/>
+          </p:nvPr>
+        </p:nvSpPr>
+        <p:spPr/>
+        <p:txBody>
+          <a:bodyPr/>
+          <a:lstStyle/>
+          <a:p>
+            <a:r>
+              <a:rPr lang="de-DE" dirty="0"/>
+              <a:t>Herstellung der Platine</a:t>
+            </a:r>
+          </a:p>
+        </p:txBody>
+      </p:sp>
+      <p:pic>
+        <p:nvPicPr>
+          <p:cNvPr id="5" name="Inhaltsplatzhalter 4">
+            <a:extLst>
+              <a:ext uri="{FF2B5EF4-FFF2-40B4-BE49-F238E27FC236}">
+                <a16:creationId xmlns:a16="http://schemas.microsoft.com/office/drawing/2014/main" id="{8DFB2E09-F5EE-41F7-9B53-6E4FBEEB7BB8}"/>
+              </a:ext>
+            </a:extLst>
+          </p:cNvPr>
+          <p:cNvPicPr>
+            <a:picLocks noGrp="1" noChangeAspect="1"/>
+          </p:cNvPicPr>
+          <p:nvPr>
+            <p:ph idx="1"/>
+          </p:nvPr>
+        </p:nvPicPr>
+        <p:blipFill>
+          <a:blip r:embed="rId2"/>
+          <a:stretch>
+            <a:fillRect/>
+          </a:stretch>
+        </p:blipFill>
+        <p:spPr>
+          <a:xfrm>
+            <a:off x="4808788" y="1965834"/>
+            <a:ext cx="7109794" cy="3485055"/>
+          </a:xfrm>
+        </p:spPr>
+      </p:pic>
+      <p:sp>
+        <p:nvSpPr>
+          <p:cNvPr id="4" name="Inhaltsplatzhalter 2">
+            <a:extLst>
+              <a:ext uri="{FF2B5EF4-FFF2-40B4-BE49-F238E27FC236}">
+                <a16:creationId xmlns:a16="http://schemas.microsoft.com/office/drawing/2014/main" id="{43E9DFBF-3640-460C-A1C7-D747A3855470}"/>
+              </a:ext>
+            </a:extLst>
+          </p:cNvPr>
+          <p:cNvSpPr txBox="1">
+            <a:spLocks/>
+          </p:cNvSpPr>
+          <p:nvPr/>
+        </p:nvSpPr>
+        <p:spPr>
+          <a:xfrm>
+            <a:off x="1295400" y="1981201"/>
+            <a:ext cx="3338744" cy="3809999"/>
+          </a:xfrm>
+          <a:prstGeom prst="rect">
+            <a:avLst/>
+          </a:prstGeom>
+        </p:spPr>
+        <p:txBody>
+          <a:bodyPr vert="horz" lIns="91440" tIns="45720" rIns="91440" bIns="45720" rtlCol="0">
+            <a:normAutofit/>
+          </a:bodyPr>
+          <a:lstStyle>
+            <a:lvl1pPr marL="228600" indent="-228600" algn="l" defTabSz="914400" rtl="0" eaLnBrk="1" latinLnBrk="0" hangingPunct="1">
+              <a:lnSpc>
+                <a:spcPct val="90000"/>
+              </a:lnSpc>
+              <a:spcBef>
+                <a:spcPts val="1800"/>
+              </a:spcBef>
+              <a:buClr>
+                <a:schemeClr val="accent1">
+                  <a:lumMod val="75000"/>
+                </a:schemeClr>
+              </a:buClr>
+              <a:buSzPct val="100000"/>
+              <a:buFont typeface="Arial" pitchFamily="34" charset="0"/>
+              <a:buChar char="▪"/>
+              <a:defRPr sz="2000" kern="1200">
+                <a:solidFill>
+                  <a:schemeClr val="tx1"/>
+                </a:solidFill>
+                <a:latin typeface="+mn-lt"/>
+                <a:ea typeface="+mn-ea"/>
+                <a:cs typeface="+mn-cs"/>
+              </a:defRPr>
+            </a:lvl1pPr>
+            <a:lvl2pPr marL="457200" indent="-182880" algn="l" defTabSz="914400" rtl="0" eaLnBrk="1" latinLnBrk="0" hangingPunct="1">
+              <a:lnSpc>
+                <a:spcPct val="90000"/>
+              </a:lnSpc>
+              <a:spcBef>
+                <a:spcPts val="1200"/>
+              </a:spcBef>
+              <a:buClr>
+                <a:schemeClr val="accent1">
+                  <a:lumMod val="75000"/>
+                </a:schemeClr>
+              </a:buClr>
+              <a:buSzPct val="100000"/>
+              <a:buFont typeface="Arial" pitchFamily="34" charset="0"/>
+              <a:buChar char="▪"/>
+              <a:defRPr sz="1800" kern="1200">
+                <a:solidFill>
+                  <a:schemeClr val="tx1"/>
+                </a:solidFill>
+                <a:latin typeface="+mn-lt"/>
+                <a:ea typeface="+mn-ea"/>
+                <a:cs typeface="+mn-cs"/>
+              </a:defRPr>
+            </a:lvl2pPr>
+            <a:lvl3pPr marL="685800" indent="-179388" algn="l" defTabSz="914400" rtl="0" eaLnBrk="1" latinLnBrk="0" hangingPunct="1">
+              <a:lnSpc>
+                <a:spcPct val="90000"/>
+              </a:lnSpc>
+              <a:spcBef>
+                <a:spcPts val="800"/>
+              </a:spcBef>
+              <a:buClr>
+                <a:schemeClr val="accent1">
+                  <a:lumMod val="75000"/>
+                </a:schemeClr>
+              </a:buClr>
+              <a:buSzPct val="100000"/>
+              <a:buFont typeface="Arial" pitchFamily="34" charset="0"/>
+              <a:buChar char="▪"/>
+              <a:defRPr sz="1600" kern="1200">
+                <a:solidFill>
+                  <a:schemeClr val="tx1"/>
+                </a:solidFill>
+                <a:latin typeface="+mn-lt"/>
+                <a:ea typeface="+mn-ea"/>
+                <a:cs typeface="+mn-cs"/>
+              </a:defRPr>
+            </a:lvl3pPr>
+            <a:lvl4pPr marL="914400" indent="-182880" algn="l" defTabSz="914400" rtl="0" eaLnBrk="1" latinLnBrk="0" hangingPunct="1">
+              <a:lnSpc>
+                <a:spcPct val="90000"/>
+              </a:lnSpc>
+              <a:spcBef>
+                <a:spcPts val="800"/>
+              </a:spcBef>
+              <a:buClr>
+                <a:schemeClr val="accent1">
+                  <a:lumMod val="75000"/>
+                </a:schemeClr>
+              </a:buClr>
+              <a:buSzPct val="100000"/>
+              <a:buFont typeface="Arial" pitchFamily="34" charset="0"/>
+              <a:buChar char="▪"/>
+              <a:defRPr sz="1400" kern="1200">
+                <a:solidFill>
+                  <a:schemeClr val="tx1"/>
+                </a:solidFill>
+                <a:latin typeface="+mn-lt"/>
+                <a:ea typeface="+mn-ea"/>
+                <a:cs typeface="+mn-cs"/>
+              </a:defRPr>
+            </a:lvl4pPr>
+            <a:lvl5pPr marL="1143000" indent="-179388" algn="l" defTabSz="914400" rtl="0" eaLnBrk="1" latinLnBrk="0" hangingPunct="1">
+              <a:lnSpc>
+                <a:spcPct val="90000"/>
+              </a:lnSpc>
+              <a:spcBef>
+                <a:spcPts val="600"/>
+              </a:spcBef>
+              <a:buClr>
+                <a:schemeClr val="accent1">
+                  <a:lumMod val="75000"/>
+                </a:schemeClr>
+              </a:buClr>
+              <a:buSzPct val="100000"/>
+              <a:buFont typeface="Arial" pitchFamily="34" charset="0"/>
+              <a:buChar char="▪"/>
+              <a:defRPr sz="1400" kern="1200">
+                <a:solidFill>
+                  <a:schemeClr val="tx1"/>
+                </a:solidFill>
+                <a:latin typeface="+mn-lt"/>
+                <a:ea typeface="+mn-ea"/>
+                <a:cs typeface="+mn-cs"/>
+              </a:defRPr>
+            </a:lvl5pPr>
+            <a:lvl6pPr marL="1371600" indent="-182880" algn="l" defTabSz="914400" rtl="0" eaLnBrk="1" latinLnBrk="0" hangingPunct="1">
+              <a:lnSpc>
+                <a:spcPct val="90000"/>
+              </a:lnSpc>
+              <a:spcBef>
+                <a:spcPts val="600"/>
+              </a:spcBef>
+              <a:buClr>
+                <a:schemeClr val="accent1">
+                  <a:lumMod val="75000"/>
+                </a:schemeClr>
+              </a:buClr>
+              <a:buSzPct val="100000"/>
+              <a:buFont typeface="Arial" pitchFamily="34" charset="0"/>
+              <a:buChar char="▪"/>
+              <a:defRPr sz="1400" kern="1200">
+                <a:solidFill>
+                  <a:schemeClr val="tx1"/>
+                </a:solidFill>
+                <a:latin typeface="+mn-lt"/>
+                <a:ea typeface="+mn-ea"/>
+                <a:cs typeface="+mn-cs"/>
+              </a:defRPr>
+            </a:lvl6pPr>
+            <a:lvl7pPr marL="1600200" indent="-179388" algn="l" defTabSz="914400" rtl="0" eaLnBrk="1" latinLnBrk="0" hangingPunct="1">
+              <a:lnSpc>
+                <a:spcPct val="90000"/>
+              </a:lnSpc>
+              <a:spcBef>
+                <a:spcPts val="600"/>
+              </a:spcBef>
+              <a:buClr>
+                <a:schemeClr val="accent1">
+                  <a:lumMod val="75000"/>
+                </a:schemeClr>
+              </a:buClr>
+              <a:buSzPct val="100000"/>
+              <a:buFont typeface="Arial" pitchFamily="34" charset="0"/>
+              <a:buChar char="▪"/>
+              <a:defRPr sz="1400" kern="1200">
+                <a:solidFill>
+                  <a:schemeClr val="tx1"/>
+                </a:solidFill>
+                <a:latin typeface="+mn-lt"/>
+                <a:ea typeface="+mn-ea"/>
+                <a:cs typeface="+mn-cs"/>
+              </a:defRPr>
+            </a:lvl7pPr>
+            <a:lvl8pPr marL="1828800" indent="-182880" algn="l" defTabSz="914400" rtl="0" eaLnBrk="1" latinLnBrk="0" hangingPunct="1">
+              <a:lnSpc>
+                <a:spcPct val="90000"/>
+              </a:lnSpc>
+              <a:spcBef>
+                <a:spcPts val="600"/>
+              </a:spcBef>
+              <a:buClr>
+                <a:schemeClr val="accent1">
+                  <a:lumMod val="75000"/>
+                </a:schemeClr>
+              </a:buClr>
+              <a:buSzPct val="100000"/>
+              <a:buFont typeface="Arial" pitchFamily="34" charset="0"/>
+              <a:buChar char="▪"/>
+              <a:defRPr sz="1400" kern="1200">
+                <a:solidFill>
+                  <a:schemeClr val="tx1"/>
+                </a:solidFill>
+                <a:latin typeface="+mn-lt"/>
+                <a:ea typeface="+mn-ea"/>
+                <a:cs typeface="+mn-cs"/>
+              </a:defRPr>
+            </a:lvl8pPr>
+            <a:lvl9pPr marL="1878012" indent="0" algn="l" defTabSz="914400" rtl="0" eaLnBrk="1" latinLnBrk="0" hangingPunct="1">
+              <a:lnSpc>
+                <a:spcPct val="90000"/>
+              </a:lnSpc>
+              <a:spcBef>
+                <a:spcPts val="600"/>
+              </a:spcBef>
+              <a:buClr>
+                <a:schemeClr val="accent1">
+                  <a:lumMod val="75000"/>
+                </a:schemeClr>
+              </a:buClr>
+              <a:buSzPct val="100000"/>
+              <a:buFont typeface="Arial" pitchFamily="34" charset="0"/>
+              <a:buNone/>
+              <a:defRPr sz="1400" kern="1200">
+                <a:solidFill>
+                  <a:schemeClr val="tx1"/>
+                </a:solidFill>
+                <a:latin typeface="+mn-lt"/>
+                <a:ea typeface="+mn-ea"/>
+                <a:cs typeface="+mn-cs"/>
+              </a:defRPr>
+            </a:lvl9pPr>
+          </a:lstStyle>
+          <a:p>
+            <a:r>
+              <a:rPr lang="de-DE" dirty="0"/>
+              <a:t>Mit EAGLE gezeichnet</a:t>
+            </a:r>
+          </a:p>
+          <a:p>
+            <a:r>
+              <a:rPr lang="de-DE" dirty="0"/>
+              <a:t>Vereinfachung durch Pinbelegung</a:t>
+            </a:r>
+          </a:p>
+          <a:p>
+            <a:r>
+              <a:rPr lang="de-DE" dirty="0"/>
+              <a:t>Integration der Bauteile ins Gehäuse</a:t>
+            </a:r>
+          </a:p>
+          <a:p>
+            <a:pPr marL="0" indent="0">
+              <a:buNone/>
+            </a:pPr>
+            <a:r>
+              <a:rPr lang="de-DE" dirty="0">
+                <a:solidFill>
+                  <a:schemeClr val="accent1"/>
+                </a:solidFill>
+              </a:rPr>
+              <a:t>Spannungsversorgung</a:t>
+            </a:r>
+          </a:p>
+          <a:p>
+            <a:pPr marL="0" indent="0">
+              <a:buNone/>
+            </a:pPr>
+            <a:r>
+              <a:rPr lang="de-DE" dirty="0">
+                <a:solidFill>
+                  <a:schemeClr val="accent3"/>
+                </a:solidFill>
+              </a:rPr>
+              <a:t>Wheatstone Brücke</a:t>
+            </a:r>
+          </a:p>
+          <a:p>
+            <a:pPr marL="0" indent="0">
+              <a:buNone/>
+            </a:pPr>
+            <a:r>
+              <a:rPr lang="de-DE" dirty="0">
+                <a:solidFill>
+                  <a:srgbClr val="92D050"/>
+                </a:solidFill>
+              </a:rPr>
+              <a:t>Verstärkerschaltung</a:t>
+            </a:r>
+          </a:p>
+        </p:txBody>
+      </p:sp>
+    </p:spTree>
+    <p:extLst>
+      <p:ext uri="{BB962C8B-B14F-4D97-AF65-F5344CB8AC3E}">
+        <p14:creationId xmlns:p14="http://schemas.microsoft.com/office/powerpoint/2010/main" val="2580371733"/>
+      </p:ext>
+    </p:extLst>
+  </p:cSld>
+  <p:clrMapOvr>
+    <a:masterClrMapping/>
+  </p:clrMapOvr>
+  <mc:AlternateContent xmlns:mc="http://schemas.openxmlformats.org/markup-compatibility/2006" xmlns:p14="http://schemas.microsoft.com/office/powerpoint/2010/main">
+    <mc:Choice Requires="p14">
+      <p:transition spd="med" p14:dur="700">
+        <p:fade/>
+      </p:transition>
+    </mc:Choice>
+    <mc:Fallback xmlns="">
+      <p:transition spd="med">
+        <p:fade/>
+      </p:transition>
+    </mc:Fallback>
+  </mc:AlternateContent>
+</p:sld>
+</file>
+
+<file path=ppt/slides/slide3.xml><?xml version="1.0" encoding="utf-8"?>
+<p:sld xmlns:a="http://schemas.openxmlformats.org/drawingml/2006/main" xmlns:r="http://schemas.openxmlformats.org/officeDocument/2006/relationships" xmlns:p="http://schemas.openxmlformats.org/presentationml/2006/main">
+  <p:cSld>
+    <p:spTree>
+      <p:nvGrpSpPr>
+        <p:cNvPr id="1" name=""/>
+        <p:cNvGrpSpPr/>
+        <p:nvPr/>
+      </p:nvGrpSpPr>
+      <p:grpSpPr>
+        <a:xfrm>
+          <a:off x="0" y="0"/>
+          <a:ext cx="0" cy="0"/>
+          <a:chOff x="0" y="0"/>
+          <a:chExt cx="0" cy="0"/>
+        </a:xfrm>
+      </p:grpSpPr>
+      <p:sp>
+        <p:nvSpPr>
+          <p:cNvPr id="2" name="Titel 1">
+            <a:extLst>
+              <a:ext uri="{FF2B5EF4-FFF2-40B4-BE49-F238E27FC236}">
+                <a16:creationId xmlns:a16="http://schemas.microsoft.com/office/drawing/2014/main" id="{F17869A1-E121-49F1-B3E2-3D5546444836}"/>
+              </a:ext>
+            </a:extLst>
+          </p:cNvPr>
+          <p:cNvSpPr>
+            <a:spLocks noGrp="1"/>
+          </p:cNvSpPr>
+          <p:nvPr>
+            <p:ph type="title"/>
+          </p:nvPr>
+        </p:nvSpPr>
+        <p:spPr/>
+        <p:txBody>
+          <a:bodyPr/>
+          <a:lstStyle/>
+          <a:p>
+            <a:r>
+              <a:rPr lang="de-DE" dirty="0"/>
+              <a:t>Herstellung der Platine</a:t>
+            </a:r>
+          </a:p>
+        </p:txBody>
+      </p:sp>
+      <p:sp>
+        <p:nvSpPr>
+          <p:cNvPr id="9" name="Inhaltsplatzhalter 8">
+            <a:extLst>
+              <a:ext uri="{FF2B5EF4-FFF2-40B4-BE49-F238E27FC236}">
+                <a16:creationId xmlns:a16="http://schemas.microsoft.com/office/drawing/2014/main" id="{3EB66926-776A-416C-A6D7-4B7F24550FAE}"/>
+              </a:ext>
+            </a:extLst>
+          </p:cNvPr>
+          <p:cNvSpPr>
+            <a:spLocks noGrp="1"/>
+          </p:cNvSpPr>
+          <p:nvPr>
+            <p:ph idx="1"/>
+          </p:nvPr>
+        </p:nvSpPr>
+        <p:spPr>
+          <a:xfrm>
+            <a:off x="1295400" y="1981201"/>
+            <a:ext cx="6182032" cy="3809999"/>
+          </a:xfrm>
+        </p:spPr>
+        <p:txBody>
+          <a:bodyPr/>
+          <a:lstStyle/>
+          <a:p>
+            <a:r>
+              <a:rPr lang="de-DE" dirty="0"/>
+              <a:t>Fertigung der Platine mittels Fotolithografie</a:t>
+            </a:r>
+          </a:p>
+        </p:txBody>
+      </p:sp>
+      <p:pic>
+        <p:nvPicPr>
+          <p:cNvPr id="10" name="Inhaltsplatzhalter 4">
+            <a:extLst>
+              <a:ext uri="{FF2B5EF4-FFF2-40B4-BE49-F238E27FC236}">
+                <a16:creationId xmlns:a16="http://schemas.microsoft.com/office/drawing/2014/main" id="{9A8FB81B-C40C-401C-A3E6-EE881B1C0D3B}"/>
+              </a:ext>
+            </a:extLst>
+          </p:cNvPr>
+          <p:cNvPicPr>
+            <a:picLocks noChangeAspect="1"/>
+          </p:cNvPicPr>
+          <p:nvPr/>
+        </p:nvPicPr>
+        <p:blipFill>
+          <a:blip r:embed="rId2"/>
+          <a:stretch>
+            <a:fillRect/>
+          </a:stretch>
+        </p:blipFill>
+        <p:spPr>
+          <a:xfrm>
+            <a:off x="7635889" y="738678"/>
+            <a:ext cx="2732226" cy="5380644"/>
+          </a:xfrm>
+          <a:prstGeom prst="rect">
+            <a:avLst/>
+          </a:prstGeom>
+        </p:spPr>
+      </p:pic>
+      <p:pic>
+        <p:nvPicPr>
+          <p:cNvPr id="6" name="Inhaltsplatzhalter 4">
+            <a:extLst>
+              <a:ext uri="{FF2B5EF4-FFF2-40B4-BE49-F238E27FC236}">
+                <a16:creationId xmlns:a16="http://schemas.microsoft.com/office/drawing/2014/main" id="{F4F54E0E-A71F-4800-B322-B3F84ED0F8C0}"/>
+              </a:ext>
+            </a:extLst>
+          </p:cNvPr>
+          <p:cNvPicPr>
+            <a:picLocks noChangeAspect="1"/>
+          </p:cNvPicPr>
+          <p:nvPr/>
+        </p:nvPicPr>
+        <p:blipFill>
+          <a:blip r:embed="rId3"/>
+          <a:stretch>
+            <a:fillRect/>
+          </a:stretch>
+        </p:blipFill>
+        <p:spPr>
+          <a:xfrm>
+            <a:off x="1823885" y="2635247"/>
+            <a:ext cx="4650802" cy="3253607"/>
+          </a:xfrm>
+          <a:prstGeom prst="rect">
+            <a:avLst/>
+          </a:prstGeom>
+        </p:spPr>
+      </p:pic>
+    </p:spTree>
+    <p:extLst>
+      <p:ext uri="{BB962C8B-B14F-4D97-AF65-F5344CB8AC3E}">
+        <p14:creationId xmlns:p14="http://schemas.microsoft.com/office/powerpoint/2010/main" val="2447589566"/>
+      </p:ext>
+    </p:extLst>
+  </p:cSld>
+  <p:clrMapOvr>
+    <a:masterClrMapping/>
+  </p:clrMapOvr>
+  <mc:AlternateContent xmlns:mc="http://schemas.openxmlformats.org/markup-compatibility/2006" xmlns:p14="http://schemas.microsoft.com/office/powerpoint/2010/main">
+    <mc:Choice Requires="p14">
+      <p:transition spd="med" p14:dur="700">
+        <p:fade/>
+      </p:transition>
+    </mc:Choice>
+    <mc:Fallback xmlns="">
+      <p:transition spd="med">
+        <p:fade/>
+      </p:transition>
+    </mc:Fallback>
+  </mc:AlternateContent>
+</p:sld>
+</file>
+
+<file path=ppt/slides/slide4.xml><?xml version="1.0" encoding="utf-8"?>
+<p:sld xmlns:a="http://schemas.openxmlformats.org/drawingml/2006/main" xmlns:r="http://schemas.openxmlformats.org/officeDocument/2006/relationships" xmlns:p="http://schemas.openxmlformats.org/presentationml/2006/main">
+  <p:cSld>
+    <p:spTree>
+      <p:nvGrpSpPr>
+        <p:cNvPr id="1" name=""/>
+        <p:cNvGrpSpPr/>
+        <p:nvPr/>
+      </p:nvGrpSpPr>
+      <p:grpSpPr>
+        <a:xfrm>
+          <a:off x="0" y="0"/>
+          <a:ext cx="0" cy="0"/>
+          <a:chOff x="0" y="0"/>
+          <a:chExt cx="0" cy="0"/>
+        </a:xfrm>
+      </p:grpSpPr>
+      <p:sp>
+        <p:nvSpPr>
+          <p:cNvPr id="2" name="Titel 1">
+            <a:extLst>
+              <a:ext uri="{FF2B5EF4-FFF2-40B4-BE49-F238E27FC236}">
+                <a16:creationId xmlns:a16="http://schemas.microsoft.com/office/drawing/2014/main" id="{ADFF471B-EDB8-4541-807A-4DA4ED81FA04}"/>
+              </a:ext>
+            </a:extLst>
+          </p:cNvPr>
+          <p:cNvSpPr>
+            <a:spLocks noGrp="1"/>
+          </p:cNvSpPr>
+          <p:nvPr>
+            <p:ph type="title"/>
+          </p:nvPr>
+        </p:nvSpPr>
+        <p:spPr/>
+        <p:txBody>
+          <a:bodyPr/>
+          <a:lstStyle/>
+          <a:p>
+            <a:r>
+              <a:rPr lang="de-DE" dirty="0"/>
+              <a:t>Fertigung des Gehäuses</a:t>
+            </a:r>
+          </a:p>
+        </p:txBody>
+      </p:sp>
+      <p:pic>
+        <p:nvPicPr>
+          <p:cNvPr id="5" name="Inhaltsplatzhalter 4">
+            <a:extLst>
+              <a:ext uri="{FF2B5EF4-FFF2-40B4-BE49-F238E27FC236}">
+                <a16:creationId xmlns:a16="http://schemas.microsoft.com/office/drawing/2014/main" id="{AC00FF1E-8F71-41A9-8968-A8B12BD75C60}"/>
+              </a:ext>
+            </a:extLst>
+          </p:cNvPr>
+          <p:cNvPicPr>
+            <a:picLocks noGrp="1" noChangeAspect="1"/>
+          </p:cNvPicPr>
+          <p:nvPr>
+            <p:ph idx="1"/>
+          </p:nvPr>
+        </p:nvPicPr>
+        <p:blipFill>
+          <a:blip r:embed="rId2"/>
+          <a:stretch>
+            <a:fillRect/>
+          </a:stretch>
+        </p:blipFill>
+        <p:spPr>
+          <a:xfrm>
+            <a:off x="7875639" y="1436897"/>
+            <a:ext cx="3615309" cy="2148270"/>
+          </a:xfrm>
+        </p:spPr>
+      </p:pic>
+      <p:pic>
+        <p:nvPicPr>
+          <p:cNvPr id="7" name="Grafik 6">
+            <a:extLst>
+              <a:ext uri="{FF2B5EF4-FFF2-40B4-BE49-F238E27FC236}">
+                <a16:creationId xmlns:a16="http://schemas.microsoft.com/office/drawing/2014/main" id="{CB8E2A18-D4C9-4A98-A9BE-87E98F006F43}"/>
+              </a:ext>
+            </a:extLst>
+          </p:cNvPr>
+          <p:cNvPicPr>
+            <a:picLocks noChangeAspect="1"/>
+          </p:cNvPicPr>
+          <p:nvPr/>
+        </p:nvPicPr>
+        <p:blipFill>
+          <a:blip r:embed="rId3"/>
+          <a:stretch>
+            <a:fillRect/>
+          </a:stretch>
+        </p:blipFill>
+        <p:spPr>
+          <a:xfrm>
+            <a:off x="7875638" y="3720376"/>
+            <a:ext cx="3615310" cy="2346780"/>
+          </a:xfrm>
+          <a:prstGeom prst="rect">
+            <a:avLst/>
+          </a:prstGeom>
+        </p:spPr>
+      </p:pic>
+      <p:sp>
+        <p:nvSpPr>
+          <p:cNvPr id="6" name="Inhaltsplatzhalter 2">
+            <a:extLst>
+              <a:ext uri="{FF2B5EF4-FFF2-40B4-BE49-F238E27FC236}">
+                <a16:creationId xmlns:a16="http://schemas.microsoft.com/office/drawing/2014/main" id="{2A4C8462-DA37-4BE5-AF3C-123F08D3BF80}"/>
+              </a:ext>
+            </a:extLst>
+          </p:cNvPr>
+          <p:cNvSpPr txBox="1">
+            <a:spLocks/>
+          </p:cNvSpPr>
+          <p:nvPr/>
+        </p:nvSpPr>
+        <p:spPr>
+          <a:xfrm>
+            <a:off x="1295401" y="1981201"/>
+            <a:ext cx="6580238" cy="3809999"/>
+          </a:xfrm>
+          <a:prstGeom prst="rect">
+            <a:avLst/>
+          </a:prstGeom>
+        </p:spPr>
+        <p:txBody>
+          <a:bodyPr vert="horz" lIns="91440" tIns="45720" rIns="91440" bIns="45720" rtlCol="0">
+            <a:normAutofit/>
+          </a:bodyPr>
+          <a:lstStyle>
+            <a:lvl1pPr marL="228600" indent="-228600" algn="l" defTabSz="914400" rtl="0" eaLnBrk="1" latinLnBrk="0" hangingPunct="1">
+              <a:lnSpc>
+                <a:spcPct val="90000"/>
+              </a:lnSpc>
+              <a:spcBef>
+                <a:spcPts val="1800"/>
+              </a:spcBef>
+              <a:buClr>
+                <a:schemeClr val="accent1">
+                  <a:lumMod val="75000"/>
+                </a:schemeClr>
+              </a:buClr>
+              <a:buSzPct val="100000"/>
+              <a:buFont typeface="Arial" pitchFamily="34" charset="0"/>
+              <a:buChar char="▪"/>
+              <a:defRPr sz="2000" kern="1200">
+                <a:solidFill>
+                  <a:schemeClr val="tx1"/>
+                </a:solidFill>
+                <a:latin typeface="+mn-lt"/>
+                <a:ea typeface="+mn-ea"/>
+                <a:cs typeface="+mn-cs"/>
+              </a:defRPr>
+            </a:lvl1pPr>
+            <a:lvl2pPr marL="457200" indent="-182880" algn="l" defTabSz="914400" rtl="0" eaLnBrk="1" latinLnBrk="0" hangingPunct="1">
+              <a:lnSpc>
+                <a:spcPct val="90000"/>
+              </a:lnSpc>
+              <a:spcBef>
+                <a:spcPts val="1200"/>
+              </a:spcBef>
+              <a:buClr>
+                <a:schemeClr val="accent1">
+                  <a:lumMod val="75000"/>
+                </a:schemeClr>
+              </a:buClr>
+              <a:buSzPct val="100000"/>
+              <a:buFont typeface="Arial" pitchFamily="34" charset="0"/>
+              <a:buChar char="▪"/>
+              <a:defRPr sz="1800" kern="1200">
+                <a:solidFill>
+                  <a:schemeClr val="tx1"/>
+                </a:solidFill>
+                <a:latin typeface="+mn-lt"/>
+                <a:ea typeface="+mn-ea"/>
+                <a:cs typeface="+mn-cs"/>
+              </a:defRPr>
+            </a:lvl2pPr>
+            <a:lvl3pPr marL="685800" indent="-179388" algn="l" defTabSz="914400" rtl="0" eaLnBrk="1" latinLnBrk="0" hangingPunct="1">
+              <a:lnSpc>
+                <a:spcPct val="90000"/>
+              </a:lnSpc>
+              <a:spcBef>
+                <a:spcPts val="800"/>
+              </a:spcBef>
+              <a:buClr>
+                <a:schemeClr val="accent1">
+                  <a:lumMod val="75000"/>
+                </a:schemeClr>
+              </a:buClr>
+              <a:buSzPct val="100000"/>
+              <a:buFont typeface="Arial" pitchFamily="34" charset="0"/>
+              <a:buChar char="▪"/>
+              <a:defRPr sz="1600" kern="1200">
+                <a:solidFill>
+                  <a:schemeClr val="tx1"/>
+                </a:solidFill>
+                <a:latin typeface="+mn-lt"/>
+                <a:ea typeface="+mn-ea"/>
+                <a:cs typeface="+mn-cs"/>
+              </a:defRPr>
+            </a:lvl3pPr>
+            <a:lvl4pPr marL="914400" indent="-182880" algn="l" defTabSz="914400" rtl="0" eaLnBrk="1" latinLnBrk="0" hangingPunct="1">
+              <a:lnSpc>
+                <a:spcPct val="90000"/>
+              </a:lnSpc>
+              <a:spcBef>
+                <a:spcPts val="800"/>
+              </a:spcBef>
+              <a:buClr>
+                <a:schemeClr val="accent1">
+                  <a:lumMod val="75000"/>
+                </a:schemeClr>
+              </a:buClr>
+              <a:buSzPct val="100000"/>
+              <a:buFont typeface="Arial" pitchFamily="34" charset="0"/>
+              <a:buChar char="▪"/>
+              <a:defRPr sz="1400" kern="1200">
+                <a:solidFill>
+                  <a:schemeClr val="tx1"/>
+                </a:solidFill>
+                <a:latin typeface="+mn-lt"/>
+                <a:ea typeface="+mn-ea"/>
+                <a:cs typeface="+mn-cs"/>
+              </a:defRPr>
+            </a:lvl4pPr>
+            <a:lvl5pPr marL="1143000" indent="-179388" algn="l" defTabSz="914400" rtl="0" eaLnBrk="1" latinLnBrk="0" hangingPunct="1">
+              <a:lnSpc>
+                <a:spcPct val="90000"/>
+              </a:lnSpc>
+              <a:spcBef>
+                <a:spcPts val="600"/>
+              </a:spcBef>
+              <a:buClr>
+                <a:schemeClr val="accent1">
+                  <a:lumMod val="75000"/>
+                </a:schemeClr>
+              </a:buClr>
+              <a:buSzPct val="100000"/>
+              <a:buFont typeface="Arial" pitchFamily="34" charset="0"/>
+              <a:buChar char="▪"/>
+              <a:defRPr sz="1400" kern="1200">
+                <a:solidFill>
+                  <a:schemeClr val="tx1"/>
+                </a:solidFill>
+                <a:latin typeface="+mn-lt"/>
+                <a:ea typeface="+mn-ea"/>
+                <a:cs typeface="+mn-cs"/>
+              </a:defRPr>
+            </a:lvl5pPr>
+            <a:lvl6pPr marL="1371600" indent="-182880" algn="l" defTabSz="914400" rtl="0" eaLnBrk="1" latinLnBrk="0" hangingPunct="1">
+              <a:lnSpc>
+                <a:spcPct val="90000"/>
+              </a:lnSpc>
+              <a:spcBef>
+                <a:spcPts val="600"/>
+              </a:spcBef>
+              <a:buClr>
+                <a:schemeClr val="accent1">
+                  <a:lumMod val="75000"/>
+                </a:schemeClr>
+              </a:buClr>
+              <a:buSzPct val="100000"/>
+              <a:buFont typeface="Arial" pitchFamily="34" charset="0"/>
+              <a:buChar char="▪"/>
+              <a:defRPr sz="1400" kern="1200">
+                <a:solidFill>
+                  <a:schemeClr val="tx1"/>
+                </a:solidFill>
+                <a:latin typeface="+mn-lt"/>
+                <a:ea typeface="+mn-ea"/>
+                <a:cs typeface="+mn-cs"/>
+              </a:defRPr>
+            </a:lvl6pPr>
+            <a:lvl7pPr marL="1600200" indent="-179388" algn="l" defTabSz="914400" rtl="0" eaLnBrk="1" latinLnBrk="0" hangingPunct="1">
+              <a:lnSpc>
+                <a:spcPct val="90000"/>
+              </a:lnSpc>
+              <a:spcBef>
+                <a:spcPts val="600"/>
+              </a:spcBef>
+              <a:buClr>
+                <a:schemeClr val="accent1">
+                  <a:lumMod val="75000"/>
+                </a:schemeClr>
+              </a:buClr>
+              <a:buSzPct val="100000"/>
+              <a:buFont typeface="Arial" pitchFamily="34" charset="0"/>
+              <a:buChar char="▪"/>
+              <a:defRPr sz="1400" kern="1200">
+                <a:solidFill>
+                  <a:schemeClr val="tx1"/>
+                </a:solidFill>
+                <a:latin typeface="+mn-lt"/>
+                <a:ea typeface="+mn-ea"/>
+                <a:cs typeface="+mn-cs"/>
+              </a:defRPr>
+            </a:lvl7pPr>
+            <a:lvl8pPr marL="1828800" indent="-182880" algn="l" defTabSz="914400" rtl="0" eaLnBrk="1" latinLnBrk="0" hangingPunct="1">
+              <a:lnSpc>
+                <a:spcPct val="90000"/>
+              </a:lnSpc>
+              <a:spcBef>
+                <a:spcPts val="600"/>
+              </a:spcBef>
+              <a:buClr>
+                <a:schemeClr val="accent1">
+                  <a:lumMod val="75000"/>
+                </a:schemeClr>
+              </a:buClr>
+              <a:buSzPct val="100000"/>
+              <a:buFont typeface="Arial" pitchFamily="34" charset="0"/>
+              <a:buChar char="▪"/>
+              <a:defRPr sz="1400" kern="1200">
+                <a:solidFill>
+                  <a:schemeClr val="tx1"/>
+                </a:solidFill>
+                <a:latin typeface="+mn-lt"/>
+                <a:ea typeface="+mn-ea"/>
+                <a:cs typeface="+mn-cs"/>
+              </a:defRPr>
+            </a:lvl8pPr>
+            <a:lvl9pPr marL="1878012" indent="0" algn="l" defTabSz="914400" rtl="0" eaLnBrk="1" latinLnBrk="0" hangingPunct="1">
+              <a:lnSpc>
+                <a:spcPct val="90000"/>
+              </a:lnSpc>
+              <a:spcBef>
+                <a:spcPts val="600"/>
+              </a:spcBef>
+              <a:buClr>
+                <a:schemeClr val="accent1">
+                  <a:lumMod val="75000"/>
+                </a:schemeClr>
+              </a:buClr>
+              <a:buSzPct val="100000"/>
+              <a:buFont typeface="Arial" pitchFamily="34" charset="0"/>
+              <a:buNone/>
+              <a:defRPr sz="1400" kern="1200">
+                <a:solidFill>
+                  <a:schemeClr val="tx1"/>
+                </a:solidFill>
+                <a:latin typeface="+mn-lt"/>
+                <a:ea typeface="+mn-ea"/>
+                <a:cs typeface="+mn-cs"/>
+              </a:defRPr>
+            </a:lvl9pPr>
+          </a:lstStyle>
+          <a:p>
+            <a:r>
+              <a:rPr lang="de-DE" dirty="0"/>
+              <a:t>Mit CAD Programm gezeichnet</a:t>
+            </a:r>
+          </a:p>
+          <a:p>
+            <a:r>
+              <a:rPr lang="de-DE" dirty="0"/>
+              <a:t>3D gedruckt, mit </a:t>
+            </a:r>
+            <a:r>
+              <a:rPr lang="de-DE" dirty="0" err="1"/>
+              <a:t>Polyactide</a:t>
+            </a:r>
+            <a:r>
+              <a:rPr lang="de-DE" dirty="0"/>
+              <a:t> (PLA)</a:t>
+            </a:r>
+          </a:p>
+          <a:p>
+            <a:r>
+              <a:rPr lang="de-DE" dirty="0"/>
+              <a:t>Deckel: Öffnungen für DMS, Potentiometer, Schalter</a:t>
+            </a:r>
+          </a:p>
+          <a:p>
+            <a:r>
+              <a:rPr lang="de-DE" dirty="0"/>
+              <a:t>Behälter: Gitterartig</a:t>
+            </a:r>
+          </a:p>
+          <a:p>
+            <a:pPr>
+              <a:buFont typeface="Wingdings" panose="05000000000000000000" pitchFamily="2" charset="2"/>
+              <a:buChar char="Ø"/>
+            </a:pPr>
+            <a:r>
+              <a:rPr lang="de-DE" dirty="0"/>
+              <a:t>Schützt die Platine &amp; Bauteile gegen Beschädigungen</a:t>
+            </a:r>
+          </a:p>
+          <a:p>
+            <a:pPr>
+              <a:buFont typeface="Wingdings" panose="05000000000000000000" pitchFamily="2" charset="2"/>
+              <a:buChar char="Ø"/>
+            </a:pPr>
+            <a:r>
+              <a:rPr lang="de-DE" dirty="0"/>
+              <a:t>Erleichtert die Handhabung</a:t>
+            </a:r>
+          </a:p>
+        </p:txBody>
+      </p:sp>
+    </p:spTree>
+    <p:extLst>
+      <p:ext uri="{BB962C8B-B14F-4D97-AF65-F5344CB8AC3E}">
+        <p14:creationId xmlns:p14="http://schemas.microsoft.com/office/powerpoint/2010/main" val="3822953357"/>
+      </p:ext>
+    </p:extLst>
+  </p:cSld>
+  <p:clrMapOvr>
+    <a:masterClrMapping/>
+  </p:clrMapOvr>
+  <mc:AlternateContent xmlns:mc="http://schemas.openxmlformats.org/markup-compatibility/2006" xmlns:p14="http://schemas.microsoft.com/office/powerpoint/2010/main">
+    <mc:Choice Requires="p14">
+      <p:transition spd="med" p14:dur="700">
+        <p:fade/>
+      </p:transition>
+    </mc:Choice>
+    <mc:Fallback xmlns="">
+      <p:transition spd="med">
+        <p:fade/>
+      </p:transition>
+    </mc:Fallback>
+  </mc:AlternateContent>
+</p:sld>
+</file>
+
 <file path=ppt/theme/theme1.xml><?xml version="1.0" encoding="utf-8"?>
 <a:theme xmlns:a="http://schemas.openxmlformats.org/drawingml/2006/main" name="Rautenraster 16x9">
   <a:themeElements>
